--- a/01. Front-End Web/01. Presentations/PPT/06. Pseudo-Classes.pptx
+++ b/01. Front-End Web/01. Presentations/PPT/06. Pseudo-Classes.pptx
@@ -110,7 +110,7 @@
   </p:defaultTextStyle>
   <p:extLst>
     <p:ext uri="{EFAFB233-063F-42B5-8137-9DF3F51BA10A}">
-      <p15:sldGuideLst xmlns:p15="http://schemas.microsoft.com/office/powerpoint/2012/main" xmlns=""/>
+      <p15:sldGuideLst xmlns="" xmlns:p15="http://schemas.microsoft.com/office/powerpoint/2012/main"/>
     </p:ext>
   </p:extLst>
 </p:presentation>
@@ -198,7 +198,7 @@
           <a:p>
             <a:fld id="{8365AC51-C568-4371-A28D-D14CF2BCF8BA}" type="datetimeFigureOut">
               <a:rPr lang="en-US" smtClean="0"/>
-              <a:t>6/26/2024</a:t>
+              <a:t>6/27/2024</a:t>
             </a:fld>
             <a:endParaRPr lang="en-US" dirty="0"/>
           </a:p>
@@ -1022,7 +1022,7 @@
           <p:cNvPr id="7" name="Footer Placeholder 4">
             <a:extLst>
               <a:ext uri="{FF2B5EF4-FFF2-40B4-BE49-F238E27FC236}">
-                <a16:creationId xmlns:a16="http://schemas.microsoft.com/office/drawing/2014/main" xmlns="" id="{D057E4A9-8BC1-4D03-B0CD-00353C3D487D}"/>
+                <a16:creationId xmlns="" xmlns:a16="http://schemas.microsoft.com/office/drawing/2014/main" id="{D057E4A9-8BC1-4D03-B0CD-00353C3D487D}"/>
               </a:ext>
             </a:extLst>
           </p:cNvPr>
@@ -3927,11 +3927,7 @@
             <a:pPr algn="ctr"/>
             <a:r>
               <a:rPr lang="en-US" sz="7200" b="1" dirty="0" smtClean="0"/>
-              <a:t>CSS </a:t>
-            </a:r>
-            <a:r>
-              <a:rPr lang="en-US" sz="7200" b="1" dirty="0" smtClean="0"/>
-              <a:t>Pseudo-Classes</a:t>
+              <a:t>CSS Pseudo-Classes</a:t>
             </a:r>
             <a:endParaRPr lang="en-PH" sz="7200" b="1" dirty="0"/>
           </a:p>
@@ -4000,7 +3996,6 @@
               <a:rPr lang="en-US" sz="4000" b="1" dirty="0" smtClean="0"/>
               <a:t>Pseudo-Classes</a:t>
             </a:r>
-            <a:endParaRPr lang="en-US" sz="4000" b="1" dirty="0" smtClean="0"/>
           </a:p>
           <a:p>
             <a:endParaRPr lang="en-US" sz="4000" b="1" dirty="0"/>
@@ -4662,7 +4657,7 @@
   <a:extraClrSchemeLst/>
   <a:extLst>
     <a:ext uri="{05A4C25C-085E-4340-85A3-A5531E510DB2}">
-      <thm15:themeFamily xmlns:thm15="http://schemas.microsoft.com/office/thememl/2012/main" xmlns="" name="Office Theme" id="{62F939B6-93AF-4DB8-9C6B-D6C7DFDC589F}" vid="{4A3C46E8-61CC-4603-A589-7422A47A8E4A}"/>
+      <thm15:themeFamily xmlns="" xmlns:thm15="http://schemas.microsoft.com/office/thememl/2012/main" name="Office Theme" id="{62F939B6-93AF-4DB8-9C6B-D6C7DFDC589F}" vid="{4A3C46E8-61CC-4603-A589-7422A47A8E4A}"/>
     </a:ext>
   </a:extLst>
 </a:theme>
